--- a/documents/thesis/Data/Benchmark.pptx
+++ b/documents/thesis/Data/Benchmark.pptx
@@ -131,18 +131,44 @@
               <a:defRPr sz="1000"/>
             </a:pPr>
             <a:r>
-              <a:rPr lang="es-CO" sz="1000"/>
-              <a:t>Vertices Vs Seconds</a:t>
-            </a:r>
+              <a:rPr lang="es-CO" sz="1000" dirty="0" err="1"/>
+              <a:t>Vertices</a:t>
+            </a:r>
+            <a:r>
+              <a:rPr lang="es-CO" sz="1000" dirty="0"/>
+              <a:t> Vs </a:t>
+            </a:r>
+            <a:r>
+              <a:rPr lang="es-CO" sz="1000" dirty="0" err="1"/>
+              <a:t>Seconds</a:t>
+            </a:r>
+            <a:endParaRPr lang="es-CO" sz="1000" dirty="0"/>
           </a:p>
           <a:p>
             <a:pPr>
               <a:defRPr sz="1000"/>
             </a:pPr>
             <a:r>
-              <a:rPr lang="es-CO" sz="1000"/>
-              <a:t>Laplacian Smoothing Perfomance</a:t>
-            </a:r>
+              <a:rPr lang="es-CO" sz="1000" dirty="0" err="1" smtClean="0"/>
+              <a:t>Initial</a:t>
+            </a:r>
+            <a:r>
+              <a:rPr lang="es-CO" sz="1000" dirty="0" smtClean="0"/>
+              <a:t> </a:t>
+            </a:r>
+            <a:r>
+              <a:rPr lang="es-CO" sz="1000" dirty="0" err="1" smtClean="0"/>
+              <a:t>Factorization</a:t>
+            </a:r>
+            <a:r>
+              <a:rPr lang="es-CO" sz="1000" dirty="0" smtClean="0"/>
+              <a:t> </a:t>
+            </a:r>
+            <a:r>
+              <a:rPr lang="es-CO" sz="1000" dirty="0" err="1"/>
+              <a:t>Perfomance</a:t>
+            </a:r>
+            <a:endParaRPr lang="es-CO" sz="1000" dirty="0"/>
           </a:p>
         </c:rich>
       </c:tx>
@@ -150,8 +176,8 @@
         <c:manualLayout>
           <c:xMode val="edge"/>
           <c:yMode val="edge"/>
-          <c:x val="0.31597366693034235"/>
-          <c:y val="3.0585605980328879E-2"/>
+          <c:x val="0.2914531823823987"/>
+          <c:y val="3.5683206977050359E-2"/>
         </c:manualLayout>
       </c:layout>
       <c:overlay val="0"/>
@@ -661,11 +687,11 @@
           <c:showPercent val="0"/>
           <c:showBubbleSize val="0"/>
         </c:dLbls>
-        <c:axId val="33979392"/>
-        <c:axId val="34085120"/>
+        <c:axId val="83091456"/>
+        <c:axId val="83093376"/>
       </c:scatterChart>
       <c:valAx>
-        <c:axId val="33979392"/>
+        <c:axId val="83091456"/>
         <c:scaling>
           <c:orientation val="minMax"/>
         </c:scaling>
@@ -704,12 +730,12 @@
             <a:endParaRPr lang="es-CO"/>
           </a:p>
         </c:txPr>
-        <c:crossAx val="34085120"/>
+        <c:crossAx val="83093376"/>
         <c:crosses val="autoZero"/>
         <c:crossBetween val="midCat"/>
       </c:valAx>
       <c:valAx>
-        <c:axId val="34085120"/>
+        <c:axId val="83093376"/>
         <c:scaling>
           <c:orientation val="minMax"/>
           <c:max val="200"/>
@@ -757,7 +783,7 @@
             <a:endParaRPr lang="es-CO"/>
           </a:p>
         </c:txPr>
-        <c:crossAx val="33979392"/>
+        <c:crossAx val="83091456"/>
         <c:crosses val="autoZero"/>
         <c:crossBetween val="midCat"/>
       </c:valAx>
@@ -982,7 +1008,7 @@
           <a:p>
             <a:fld id="{41DF7DDC-238C-4EB3-B7BD-BB265962C41A}" type="datetimeFigureOut">
               <a:rPr lang="es-CO" smtClean="0"/>
-              <a:t>07/05/2014</a:t>
+              <a:t>27/05/2014</a:t>
             </a:fld>
             <a:endParaRPr lang="es-CO"/>
           </a:p>
@@ -1152,7 +1178,7 @@
           <a:p>
             <a:fld id="{41DF7DDC-238C-4EB3-B7BD-BB265962C41A}" type="datetimeFigureOut">
               <a:rPr lang="es-CO" smtClean="0"/>
-              <a:t>07/05/2014</a:t>
+              <a:t>27/05/2014</a:t>
             </a:fld>
             <a:endParaRPr lang="es-CO"/>
           </a:p>
@@ -1332,7 +1358,7 @@
           <a:p>
             <a:fld id="{41DF7DDC-238C-4EB3-B7BD-BB265962C41A}" type="datetimeFigureOut">
               <a:rPr lang="es-CO" smtClean="0"/>
-              <a:t>07/05/2014</a:t>
+              <a:t>27/05/2014</a:t>
             </a:fld>
             <a:endParaRPr lang="es-CO"/>
           </a:p>
@@ -1502,7 +1528,7 @@
           <a:p>
             <a:fld id="{41DF7DDC-238C-4EB3-B7BD-BB265962C41A}" type="datetimeFigureOut">
               <a:rPr lang="es-CO" smtClean="0"/>
-              <a:t>07/05/2014</a:t>
+              <a:t>27/05/2014</a:t>
             </a:fld>
             <a:endParaRPr lang="es-CO"/>
           </a:p>
@@ -1748,7 +1774,7 @@
           <a:p>
             <a:fld id="{41DF7DDC-238C-4EB3-B7BD-BB265962C41A}" type="datetimeFigureOut">
               <a:rPr lang="es-CO" smtClean="0"/>
-              <a:t>07/05/2014</a:t>
+              <a:t>27/05/2014</a:t>
             </a:fld>
             <a:endParaRPr lang="es-CO"/>
           </a:p>
@@ -2036,7 +2062,7 @@
           <a:p>
             <a:fld id="{41DF7DDC-238C-4EB3-B7BD-BB265962C41A}" type="datetimeFigureOut">
               <a:rPr lang="es-CO" smtClean="0"/>
-              <a:t>07/05/2014</a:t>
+              <a:t>27/05/2014</a:t>
             </a:fld>
             <a:endParaRPr lang="es-CO"/>
           </a:p>
@@ -2463,7 +2489,7 @@
           <a:p>
             <a:fld id="{41DF7DDC-238C-4EB3-B7BD-BB265962C41A}" type="datetimeFigureOut">
               <a:rPr lang="es-CO" smtClean="0"/>
-              <a:t>07/05/2014</a:t>
+              <a:t>27/05/2014</a:t>
             </a:fld>
             <a:endParaRPr lang="es-CO"/>
           </a:p>
@@ -2581,7 +2607,7 @@
           <a:p>
             <a:fld id="{41DF7DDC-238C-4EB3-B7BD-BB265962C41A}" type="datetimeFigureOut">
               <a:rPr lang="es-CO" smtClean="0"/>
-              <a:t>07/05/2014</a:t>
+              <a:t>27/05/2014</a:t>
             </a:fld>
             <a:endParaRPr lang="es-CO"/>
           </a:p>
@@ -2676,7 +2702,7 @@
           <a:p>
             <a:fld id="{41DF7DDC-238C-4EB3-B7BD-BB265962C41A}" type="datetimeFigureOut">
               <a:rPr lang="es-CO" smtClean="0"/>
-              <a:t>07/05/2014</a:t>
+              <a:t>27/05/2014</a:t>
             </a:fld>
             <a:endParaRPr lang="es-CO"/>
           </a:p>
@@ -2953,7 +2979,7 @@
           <a:p>
             <a:fld id="{41DF7DDC-238C-4EB3-B7BD-BB265962C41A}" type="datetimeFigureOut">
               <a:rPr lang="es-CO" smtClean="0"/>
-              <a:t>07/05/2014</a:t>
+              <a:t>27/05/2014</a:t>
             </a:fld>
             <a:endParaRPr lang="es-CO"/>
           </a:p>
@@ -3206,7 +3232,7 @@
           <a:p>
             <a:fld id="{41DF7DDC-238C-4EB3-B7BD-BB265962C41A}" type="datetimeFigureOut">
               <a:rPr lang="es-CO" smtClean="0"/>
-              <a:t>07/05/2014</a:t>
+              <a:t>27/05/2014</a:t>
             </a:fld>
             <a:endParaRPr lang="es-CO"/>
           </a:p>
@@ -3419,7 +3445,7 @@
           <a:p>
             <a:fld id="{41DF7DDC-238C-4EB3-B7BD-BB265962C41A}" type="datetimeFigureOut">
               <a:rPr lang="es-CO" smtClean="0"/>
-              <a:t>07/05/2014</a:t>
+              <a:t>27/05/2014</a:t>
             </a:fld>
             <a:endParaRPr lang="es-CO"/>
           </a:p>
@@ -3800,7 +3826,13 @@
           <p:cNvGraphicFramePr>
             <a:graphicFrameLocks/>
           </p:cNvGraphicFramePr>
-          <p:nvPr/>
+          <p:nvPr>
+            <p:extLst>
+              <p:ext uri="{D42A27DB-BD31-4B8C-83A1-F6EECF244321}">
+                <p14:modId xmlns:p14="http://schemas.microsoft.com/office/powerpoint/2010/main" val="1506217457"/>
+              </p:ext>
+            </p:extLst>
+          </p:nvPr>
         </p:nvGraphicFramePr>
         <p:xfrm>
           <a:off x="1128" y="-290"/>
